--- a/ppt 16-9/1377.主祷文.pptx
+++ b/ppt 16-9/1377.主祷文.pptx
@@ -129,7 +129,7 @@
           <p:cNvPr id="2" name="标题 1">
             <a:extLst>
               <a:ext uri="{FF2B5EF4-FFF2-40B4-BE49-F238E27FC236}">
-                <a16:creationId xmlns:a16="http://schemas.microsoft.com/office/drawing/2014/main" id="{520B2581-7418-AE5F-286A-0107CE8C88BE}"/>
+                <a16:creationId xmlns:a16="http://schemas.microsoft.com/office/drawing/2014/main" id="{304A74A3-5242-74B3-EC63-B9CA11A3BBE8}"/>
               </a:ext>
             </a:extLst>
           </p:cNvPr>
@@ -166,7 +166,7 @@
           <p:cNvPr id="3" name="副标题 2">
             <a:extLst>
               <a:ext uri="{FF2B5EF4-FFF2-40B4-BE49-F238E27FC236}">
-                <a16:creationId xmlns:a16="http://schemas.microsoft.com/office/drawing/2014/main" id="{F13E9A1B-0475-ED39-8E6A-16FD2D6550EE}"/>
+                <a16:creationId xmlns:a16="http://schemas.microsoft.com/office/drawing/2014/main" id="{04610EFB-B730-2C48-5065-9F35643DDD52}"/>
               </a:ext>
             </a:extLst>
           </p:cNvPr>
@@ -236,7 +236,7 @@
           <p:cNvPr id="4" name="日期占位符 3">
             <a:extLst>
               <a:ext uri="{FF2B5EF4-FFF2-40B4-BE49-F238E27FC236}">
-                <a16:creationId xmlns:a16="http://schemas.microsoft.com/office/drawing/2014/main" id="{768FD7BB-BF0B-3C70-536C-EE75A584C325}"/>
+                <a16:creationId xmlns:a16="http://schemas.microsoft.com/office/drawing/2014/main" id="{B9182C7F-8570-FE53-6157-D63EC15AFB7C}"/>
               </a:ext>
             </a:extLst>
           </p:cNvPr>
@@ -252,7 +252,7 @@
           <a:bodyPr/>
           <a:lstStyle/>
           <a:p>
-            <a:fld id="{68810AEF-CBFA-4351-8D03-28F1CCB21C97}" type="datetimeFigureOut">
+            <a:fld id="{8E554618-D4B2-4090-A52E-D0B24DBA2F3E}" type="datetimeFigureOut">
               <a:rPr lang="zh-CN" altLang="en-US" smtClean="0"/>
               <a:t>2024/3/10</a:t>
             </a:fld>
@@ -265,7 +265,7 @@
           <p:cNvPr id="5" name="页脚占位符 4">
             <a:extLst>
               <a:ext uri="{FF2B5EF4-FFF2-40B4-BE49-F238E27FC236}">
-                <a16:creationId xmlns:a16="http://schemas.microsoft.com/office/drawing/2014/main" id="{2B1C46E3-8150-94B3-2639-9B9D2299E366}"/>
+                <a16:creationId xmlns:a16="http://schemas.microsoft.com/office/drawing/2014/main" id="{3CB57CDC-7A93-8E81-434A-A7F9E24A154F}"/>
               </a:ext>
             </a:extLst>
           </p:cNvPr>
@@ -290,7 +290,7 @@
           <p:cNvPr id="6" name="灯片编号占位符 5">
             <a:extLst>
               <a:ext uri="{FF2B5EF4-FFF2-40B4-BE49-F238E27FC236}">
-                <a16:creationId xmlns:a16="http://schemas.microsoft.com/office/drawing/2014/main" id="{B814A197-FD03-9C86-7316-00E5E523B681}"/>
+                <a16:creationId xmlns:a16="http://schemas.microsoft.com/office/drawing/2014/main" id="{C56DD6DE-D1FC-E1AD-8AB1-6865460E4A96}"/>
               </a:ext>
             </a:extLst>
           </p:cNvPr>
@@ -306,7 +306,7 @@
           <a:bodyPr/>
           <a:lstStyle/>
           <a:p>
-            <a:fld id="{03841666-5973-42B6-B4C2-1DA8877DA441}" type="slidenum">
+            <a:fld id="{0A64D57B-C4D4-4121-9EF3-CF7AA425751A}" type="slidenum">
               <a:rPr lang="zh-CN" altLang="en-US" smtClean="0"/>
               <a:t>‹#›</a:t>
             </a:fld>
@@ -317,7 +317,7 @@
     </p:spTree>
     <p:extLst>
       <p:ext uri="{BB962C8B-B14F-4D97-AF65-F5344CB8AC3E}">
-        <p14:creationId xmlns:p14="http://schemas.microsoft.com/office/powerpoint/2010/main" val="3496092911"/>
+        <p14:creationId xmlns:p14="http://schemas.microsoft.com/office/powerpoint/2010/main" val="556972392"/>
       </p:ext>
     </p:extLst>
   </p:cSld>
@@ -349,7 +349,7 @@
           <p:cNvPr id="2" name="标题 1">
             <a:extLst>
               <a:ext uri="{FF2B5EF4-FFF2-40B4-BE49-F238E27FC236}">
-                <a16:creationId xmlns:a16="http://schemas.microsoft.com/office/drawing/2014/main" id="{8C522EA4-EE26-5E60-3617-09E8A8FD9425}"/>
+                <a16:creationId xmlns:a16="http://schemas.microsoft.com/office/drawing/2014/main" id="{9975A1E6-CE11-F62C-0AB8-20E4B36670D5}"/>
               </a:ext>
             </a:extLst>
           </p:cNvPr>
@@ -377,7 +377,7 @@
           <p:cNvPr id="3" name="竖排文字占位符 2">
             <a:extLst>
               <a:ext uri="{FF2B5EF4-FFF2-40B4-BE49-F238E27FC236}">
-                <a16:creationId xmlns:a16="http://schemas.microsoft.com/office/drawing/2014/main" id="{CB97380E-3F30-6BA9-B943-4B9904930515}"/>
+                <a16:creationId xmlns:a16="http://schemas.microsoft.com/office/drawing/2014/main" id="{AE31721B-D504-EE8A-3AFE-93D0F9F11E45}"/>
               </a:ext>
             </a:extLst>
           </p:cNvPr>
@@ -434,7 +434,7 @@
           <p:cNvPr id="4" name="日期占位符 3">
             <a:extLst>
               <a:ext uri="{FF2B5EF4-FFF2-40B4-BE49-F238E27FC236}">
-                <a16:creationId xmlns:a16="http://schemas.microsoft.com/office/drawing/2014/main" id="{06A591DF-01AE-5293-DCDE-C0B2B737F265}"/>
+                <a16:creationId xmlns:a16="http://schemas.microsoft.com/office/drawing/2014/main" id="{6B078BEA-AA84-7148-72BE-7C94CCA36DB7}"/>
               </a:ext>
             </a:extLst>
           </p:cNvPr>
@@ -450,7 +450,7 @@
           <a:bodyPr/>
           <a:lstStyle/>
           <a:p>
-            <a:fld id="{68810AEF-CBFA-4351-8D03-28F1CCB21C97}" type="datetimeFigureOut">
+            <a:fld id="{8E554618-D4B2-4090-A52E-D0B24DBA2F3E}" type="datetimeFigureOut">
               <a:rPr lang="zh-CN" altLang="en-US" smtClean="0"/>
               <a:t>2024/3/10</a:t>
             </a:fld>
@@ -463,7 +463,7 @@
           <p:cNvPr id="5" name="页脚占位符 4">
             <a:extLst>
               <a:ext uri="{FF2B5EF4-FFF2-40B4-BE49-F238E27FC236}">
-                <a16:creationId xmlns:a16="http://schemas.microsoft.com/office/drawing/2014/main" id="{41A64B67-D202-1649-6E43-3328FBD9DC6A}"/>
+                <a16:creationId xmlns:a16="http://schemas.microsoft.com/office/drawing/2014/main" id="{E161EA46-F56A-8A25-2DCF-2F44787E044A}"/>
               </a:ext>
             </a:extLst>
           </p:cNvPr>
@@ -488,7 +488,7 @@
           <p:cNvPr id="6" name="灯片编号占位符 5">
             <a:extLst>
               <a:ext uri="{FF2B5EF4-FFF2-40B4-BE49-F238E27FC236}">
-                <a16:creationId xmlns:a16="http://schemas.microsoft.com/office/drawing/2014/main" id="{F4704C29-032E-60B9-32BC-8123ED20BD51}"/>
+                <a16:creationId xmlns:a16="http://schemas.microsoft.com/office/drawing/2014/main" id="{0727E51D-7D79-CF98-D6B0-A79D96E21FD5}"/>
               </a:ext>
             </a:extLst>
           </p:cNvPr>
@@ -504,7 +504,7 @@
           <a:bodyPr/>
           <a:lstStyle/>
           <a:p>
-            <a:fld id="{03841666-5973-42B6-B4C2-1DA8877DA441}" type="slidenum">
+            <a:fld id="{0A64D57B-C4D4-4121-9EF3-CF7AA425751A}" type="slidenum">
               <a:rPr lang="zh-CN" altLang="en-US" smtClean="0"/>
               <a:t>‹#›</a:t>
             </a:fld>
@@ -515,7 +515,7 @@
     </p:spTree>
     <p:extLst>
       <p:ext uri="{BB962C8B-B14F-4D97-AF65-F5344CB8AC3E}">
-        <p14:creationId xmlns:p14="http://schemas.microsoft.com/office/powerpoint/2010/main" val="608722895"/>
+        <p14:creationId xmlns:p14="http://schemas.microsoft.com/office/powerpoint/2010/main" val="133241133"/>
       </p:ext>
     </p:extLst>
   </p:cSld>
@@ -547,7 +547,7 @@
           <p:cNvPr id="2" name="竖排标题 1">
             <a:extLst>
               <a:ext uri="{FF2B5EF4-FFF2-40B4-BE49-F238E27FC236}">
-                <a16:creationId xmlns:a16="http://schemas.microsoft.com/office/drawing/2014/main" id="{68C004C3-C00B-93EE-E249-FE3883040E34}"/>
+                <a16:creationId xmlns:a16="http://schemas.microsoft.com/office/drawing/2014/main" id="{0D279FEA-E37D-6E20-7BAF-CB37CA3ECEB8}"/>
               </a:ext>
             </a:extLst>
           </p:cNvPr>
@@ -580,7 +580,7 @@
           <p:cNvPr id="3" name="竖排文字占位符 2">
             <a:extLst>
               <a:ext uri="{FF2B5EF4-FFF2-40B4-BE49-F238E27FC236}">
-                <a16:creationId xmlns:a16="http://schemas.microsoft.com/office/drawing/2014/main" id="{2B89C427-E748-1E14-9F97-5A84258C6065}"/>
+                <a16:creationId xmlns:a16="http://schemas.microsoft.com/office/drawing/2014/main" id="{3B30F9D7-1EF4-4C35-70F6-3611CEAB5975}"/>
               </a:ext>
             </a:extLst>
           </p:cNvPr>
@@ -642,7 +642,7 @@
           <p:cNvPr id="4" name="日期占位符 3">
             <a:extLst>
               <a:ext uri="{FF2B5EF4-FFF2-40B4-BE49-F238E27FC236}">
-                <a16:creationId xmlns:a16="http://schemas.microsoft.com/office/drawing/2014/main" id="{56A5677F-FC04-8A46-8D58-32F6AD3A3B3B}"/>
+                <a16:creationId xmlns:a16="http://schemas.microsoft.com/office/drawing/2014/main" id="{6DEE330D-2005-31C9-05FC-0EF8924E8529}"/>
               </a:ext>
             </a:extLst>
           </p:cNvPr>
@@ -658,7 +658,7 @@
           <a:bodyPr/>
           <a:lstStyle/>
           <a:p>
-            <a:fld id="{68810AEF-CBFA-4351-8D03-28F1CCB21C97}" type="datetimeFigureOut">
+            <a:fld id="{8E554618-D4B2-4090-A52E-D0B24DBA2F3E}" type="datetimeFigureOut">
               <a:rPr lang="zh-CN" altLang="en-US" smtClean="0"/>
               <a:t>2024/3/10</a:t>
             </a:fld>
@@ -671,7 +671,7 @@
           <p:cNvPr id="5" name="页脚占位符 4">
             <a:extLst>
               <a:ext uri="{FF2B5EF4-FFF2-40B4-BE49-F238E27FC236}">
-                <a16:creationId xmlns:a16="http://schemas.microsoft.com/office/drawing/2014/main" id="{72C71D7B-765F-B88F-A2F9-CB021DD9B891}"/>
+                <a16:creationId xmlns:a16="http://schemas.microsoft.com/office/drawing/2014/main" id="{0F57AFAB-9151-8288-9C50-D1EE68E9AE2A}"/>
               </a:ext>
             </a:extLst>
           </p:cNvPr>
@@ -696,7 +696,7 @@
           <p:cNvPr id="6" name="灯片编号占位符 5">
             <a:extLst>
               <a:ext uri="{FF2B5EF4-FFF2-40B4-BE49-F238E27FC236}">
-                <a16:creationId xmlns:a16="http://schemas.microsoft.com/office/drawing/2014/main" id="{A6E7D762-45FC-28B7-ACEC-CE1F2263AB6D}"/>
+                <a16:creationId xmlns:a16="http://schemas.microsoft.com/office/drawing/2014/main" id="{817F27BB-DC03-50DD-8E18-6C6F75230D4C}"/>
               </a:ext>
             </a:extLst>
           </p:cNvPr>
@@ -712,7 +712,7 @@
           <a:bodyPr/>
           <a:lstStyle/>
           <a:p>
-            <a:fld id="{03841666-5973-42B6-B4C2-1DA8877DA441}" type="slidenum">
+            <a:fld id="{0A64D57B-C4D4-4121-9EF3-CF7AA425751A}" type="slidenum">
               <a:rPr lang="zh-CN" altLang="en-US" smtClean="0"/>
               <a:t>‹#›</a:t>
             </a:fld>
@@ -723,7 +723,7 @@
     </p:spTree>
     <p:extLst>
       <p:ext uri="{BB962C8B-B14F-4D97-AF65-F5344CB8AC3E}">
-        <p14:creationId xmlns:p14="http://schemas.microsoft.com/office/powerpoint/2010/main" val="4250139793"/>
+        <p14:creationId xmlns:p14="http://schemas.microsoft.com/office/powerpoint/2010/main" val="1233961588"/>
       </p:ext>
     </p:extLst>
   </p:cSld>
@@ -755,7 +755,7 @@
           <p:cNvPr id="2" name="标题 1">
             <a:extLst>
               <a:ext uri="{FF2B5EF4-FFF2-40B4-BE49-F238E27FC236}">
-                <a16:creationId xmlns:a16="http://schemas.microsoft.com/office/drawing/2014/main" id="{98718AC5-4FE0-D25C-255F-2EC6CDD0ED30}"/>
+                <a16:creationId xmlns:a16="http://schemas.microsoft.com/office/drawing/2014/main" id="{29EBB980-A2D6-EA97-1B09-B5A9AAF4C08C}"/>
               </a:ext>
             </a:extLst>
           </p:cNvPr>
@@ -783,7 +783,7 @@
           <p:cNvPr id="3" name="内容占位符 2">
             <a:extLst>
               <a:ext uri="{FF2B5EF4-FFF2-40B4-BE49-F238E27FC236}">
-                <a16:creationId xmlns:a16="http://schemas.microsoft.com/office/drawing/2014/main" id="{A74D494B-190B-A89F-E30B-60F90E9A555E}"/>
+                <a16:creationId xmlns:a16="http://schemas.microsoft.com/office/drawing/2014/main" id="{4FEF594C-772A-9344-5F0B-2310CA500838}"/>
               </a:ext>
             </a:extLst>
           </p:cNvPr>
@@ -840,7 +840,7 @@
           <p:cNvPr id="4" name="日期占位符 3">
             <a:extLst>
               <a:ext uri="{FF2B5EF4-FFF2-40B4-BE49-F238E27FC236}">
-                <a16:creationId xmlns:a16="http://schemas.microsoft.com/office/drawing/2014/main" id="{BFFA013D-898D-7035-B70E-7823C958A8B1}"/>
+                <a16:creationId xmlns:a16="http://schemas.microsoft.com/office/drawing/2014/main" id="{769F1DA7-06E3-F456-96C0-7443943AB653}"/>
               </a:ext>
             </a:extLst>
           </p:cNvPr>
@@ -856,7 +856,7 @@
           <a:bodyPr/>
           <a:lstStyle/>
           <a:p>
-            <a:fld id="{68810AEF-CBFA-4351-8D03-28F1CCB21C97}" type="datetimeFigureOut">
+            <a:fld id="{8E554618-D4B2-4090-A52E-D0B24DBA2F3E}" type="datetimeFigureOut">
               <a:rPr lang="zh-CN" altLang="en-US" smtClean="0"/>
               <a:t>2024/3/10</a:t>
             </a:fld>
@@ -869,7 +869,7 @@
           <p:cNvPr id="5" name="页脚占位符 4">
             <a:extLst>
               <a:ext uri="{FF2B5EF4-FFF2-40B4-BE49-F238E27FC236}">
-                <a16:creationId xmlns:a16="http://schemas.microsoft.com/office/drawing/2014/main" id="{E5A28C06-5D95-C535-CD28-52D56BC83264}"/>
+                <a16:creationId xmlns:a16="http://schemas.microsoft.com/office/drawing/2014/main" id="{BD598288-8D2E-30AF-3A52-AA4C65150CA6}"/>
               </a:ext>
             </a:extLst>
           </p:cNvPr>
@@ -894,7 +894,7 @@
           <p:cNvPr id="6" name="灯片编号占位符 5">
             <a:extLst>
               <a:ext uri="{FF2B5EF4-FFF2-40B4-BE49-F238E27FC236}">
-                <a16:creationId xmlns:a16="http://schemas.microsoft.com/office/drawing/2014/main" id="{EB177964-9254-8117-66ED-6306FE77BD27}"/>
+                <a16:creationId xmlns:a16="http://schemas.microsoft.com/office/drawing/2014/main" id="{79466AB1-6D50-8D6F-8B58-D680A6D4E758}"/>
               </a:ext>
             </a:extLst>
           </p:cNvPr>
@@ -910,7 +910,7 @@
           <a:bodyPr/>
           <a:lstStyle/>
           <a:p>
-            <a:fld id="{03841666-5973-42B6-B4C2-1DA8877DA441}" type="slidenum">
+            <a:fld id="{0A64D57B-C4D4-4121-9EF3-CF7AA425751A}" type="slidenum">
               <a:rPr lang="zh-CN" altLang="en-US" smtClean="0"/>
               <a:t>‹#›</a:t>
             </a:fld>
@@ -921,7 +921,7 @@
     </p:spTree>
     <p:extLst>
       <p:ext uri="{BB962C8B-B14F-4D97-AF65-F5344CB8AC3E}">
-        <p14:creationId xmlns:p14="http://schemas.microsoft.com/office/powerpoint/2010/main" val="3561051134"/>
+        <p14:creationId xmlns:p14="http://schemas.microsoft.com/office/powerpoint/2010/main" val="3990975509"/>
       </p:ext>
     </p:extLst>
   </p:cSld>
@@ -953,7 +953,7 @@
           <p:cNvPr id="2" name="标题 1">
             <a:extLst>
               <a:ext uri="{FF2B5EF4-FFF2-40B4-BE49-F238E27FC236}">
-                <a16:creationId xmlns:a16="http://schemas.microsoft.com/office/drawing/2014/main" id="{CFF38DFD-BEAF-B2AE-7CC8-B68C1902DF66}"/>
+                <a16:creationId xmlns:a16="http://schemas.microsoft.com/office/drawing/2014/main" id="{FABEBFB2-B08F-FFAF-6C48-D909453DADC5}"/>
               </a:ext>
             </a:extLst>
           </p:cNvPr>
@@ -990,7 +990,7 @@
           <p:cNvPr id="3" name="文本占位符 2">
             <a:extLst>
               <a:ext uri="{FF2B5EF4-FFF2-40B4-BE49-F238E27FC236}">
-                <a16:creationId xmlns:a16="http://schemas.microsoft.com/office/drawing/2014/main" id="{92377639-F3B9-B402-C886-566A7DB65E32}"/>
+                <a16:creationId xmlns:a16="http://schemas.microsoft.com/office/drawing/2014/main" id="{06C92272-0487-D585-1B3F-D48326186618}"/>
               </a:ext>
             </a:extLst>
           </p:cNvPr>
@@ -1115,7 +1115,7 @@
           <p:cNvPr id="4" name="日期占位符 3">
             <a:extLst>
               <a:ext uri="{FF2B5EF4-FFF2-40B4-BE49-F238E27FC236}">
-                <a16:creationId xmlns:a16="http://schemas.microsoft.com/office/drawing/2014/main" id="{551D4DC2-3163-32A1-772E-90CA640A4451}"/>
+                <a16:creationId xmlns:a16="http://schemas.microsoft.com/office/drawing/2014/main" id="{EE898A3E-4738-4EB5-2677-01F71B32A447}"/>
               </a:ext>
             </a:extLst>
           </p:cNvPr>
@@ -1131,7 +1131,7 @@
           <a:bodyPr/>
           <a:lstStyle/>
           <a:p>
-            <a:fld id="{68810AEF-CBFA-4351-8D03-28F1CCB21C97}" type="datetimeFigureOut">
+            <a:fld id="{8E554618-D4B2-4090-A52E-D0B24DBA2F3E}" type="datetimeFigureOut">
               <a:rPr lang="zh-CN" altLang="en-US" smtClean="0"/>
               <a:t>2024/3/10</a:t>
             </a:fld>
@@ -1144,7 +1144,7 @@
           <p:cNvPr id="5" name="页脚占位符 4">
             <a:extLst>
               <a:ext uri="{FF2B5EF4-FFF2-40B4-BE49-F238E27FC236}">
-                <a16:creationId xmlns:a16="http://schemas.microsoft.com/office/drawing/2014/main" id="{82354C30-23A0-F4FA-C326-4E6CAE9FD578}"/>
+                <a16:creationId xmlns:a16="http://schemas.microsoft.com/office/drawing/2014/main" id="{3D349ADC-DA12-AABC-A8A5-B4DA82B25568}"/>
               </a:ext>
             </a:extLst>
           </p:cNvPr>
@@ -1169,7 +1169,7 @@
           <p:cNvPr id="6" name="灯片编号占位符 5">
             <a:extLst>
               <a:ext uri="{FF2B5EF4-FFF2-40B4-BE49-F238E27FC236}">
-                <a16:creationId xmlns:a16="http://schemas.microsoft.com/office/drawing/2014/main" id="{0D43B80B-9DE0-9A12-06A2-75D4CF59CC5F}"/>
+                <a16:creationId xmlns:a16="http://schemas.microsoft.com/office/drawing/2014/main" id="{A5926A7B-EF26-ED99-DD43-A8C16CAAC167}"/>
               </a:ext>
             </a:extLst>
           </p:cNvPr>
@@ -1185,7 +1185,7 @@
           <a:bodyPr/>
           <a:lstStyle/>
           <a:p>
-            <a:fld id="{03841666-5973-42B6-B4C2-1DA8877DA441}" type="slidenum">
+            <a:fld id="{0A64D57B-C4D4-4121-9EF3-CF7AA425751A}" type="slidenum">
               <a:rPr lang="zh-CN" altLang="en-US" smtClean="0"/>
               <a:t>‹#›</a:t>
             </a:fld>
@@ -1196,7 +1196,7 @@
     </p:spTree>
     <p:extLst>
       <p:ext uri="{BB962C8B-B14F-4D97-AF65-F5344CB8AC3E}">
-        <p14:creationId xmlns:p14="http://schemas.microsoft.com/office/powerpoint/2010/main" val="2358944885"/>
+        <p14:creationId xmlns:p14="http://schemas.microsoft.com/office/powerpoint/2010/main" val="1254177494"/>
       </p:ext>
     </p:extLst>
   </p:cSld>
@@ -1228,7 +1228,7 @@
           <p:cNvPr id="2" name="标题 1">
             <a:extLst>
               <a:ext uri="{FF2B5EF4-FFF2-40B4-BE49-F238E27FC236}">
-                <a16:creationId xmlns:a16="http://schemas.microsoft.com/office/drawing/2014/main" id="{07604B7A-F297-3031-5D5A-3C23C39E2A79}"/>
+                <a16:creationId xmlns:a16="http://schemas.microsoft.com/office/drawing/2014/main" id="{C6DF72FB-A510-AB01-57EB-46100FF63589}"/>
               </a:ext>
             </a:extLst>
           </p:cNvPr>
@@ -1256,7 +1256,7 @@
           <p:cNvPr id="3" name="内容占位符 2">
             <a:extLst>
               <a:ext uri="{FF2B5EF4-FFF2-40B4-BE49-F238E27FC236}">
-                <a16:creationId xmlns:a16="http://schemas.microsoft.com/office/drawing/2014/main" id="{C22CC44D-E532-BFC8-F732-9DE01A8C7A9C}"/>
+                <a16:creationId xmlns:a16="http://schemas.microsoft.com/office/drawing/2014/main" id="{DF6DACC1-415B-620F-9CA2-080866602CE8}"/>
               </a:ext>
             </a:extLst>
           </p:cNvPr>
@@ -1318,7 +1318,7 @@
           <p:cNvPr id="4" name="内容占位符 3">
             <a:extLst>
               <a:ext uri="{FF2B5EF4-FFF2-40B4-BE49-F238E27FC236}">
-                <a16:creationId xmlns:a16="http://schemas.microsoft.com/office/drawing/2014/main" id="{AD5AB31D-4932-8AC9-1D5B-4054601CA528}"/>
+                <a16:creationId xmlns:a16="http://schemas.microsoft.com/office/drawing/2014/main" id="{4C343B37-A779-B8C0-EEFC-8C2C5588A90F}"/>
               </a:ext>
             </a:extLst>
           </p:cNvPr>
@@ -1380,7 +1380,7 @@
           <p:cNvPr id="5" name="日期占位符 4">
             <a:extLst>
               <a:ext uri="{FF2B5EF4-FFF2-40B4-BE49-F238E27FC236}">
-                <a16:creationId xmlns:a16="http://schemas.microsoft.com/office/drawing/2014/main" id="{859AB9C0-925E-DA01-F743-3617AFA2589F}"/>
+                <a16:creationId xmlns:a16="http://schemas.microsoft.com/office/drawing/2014/main" id="{D70DE5E9-43C1-6DDB-3001-DC627E2DA95E}"/>
               </a:ext>
             </a:extLst>
           </p:cNvPr>
@@ -1396,7 +1396,7 @@
           <a:bodyPr/>
           <a:lstStyle/>
           <a:p>
-            <a:fld id="{68810AEF-CBFA-4351-8D03-28F1CCB21C97}" type="datetimeFigureOut">
+            <a:fld id="{8E554618-D4B2-4090-A52E-D0B24DBA2F3E}" type="datetimeFigureOut">
               <a:rPr lang="zh-CN" altLang="en-US" smtClean="0"/>
               <a:t>2024/3/10</a:t>
             </a:fld>
@@ -1409,7 +1409,7 @@
           <p:cNvPr id="6" name="页脚占位符 5">
             <a:extLst>
               <a:ext uri="{FF2B5EF4-FFF2-40B4-BE49-F238E27FC236}">
-                <a16:creationId xmlns:a16="http://schemas.microsoft.com/office/drawing/2014/main" id="{721022A6-DDDC-2881-A880-F98E592F7884}"/>
+                <a16:creationId xmlns:a16="http://schemas.microsoft.com/office/drawing/2014/main" id="{D1019AF8-1526-60C5-DFE3-426E90FBC00C}"/>
               </a:ext>
             </a:extLst>
           </p:cNvPr>
@@ -1434,7 +1434,7 @@
           <p:cNvPr id="7" name="灯片编号占位符 6">
             <a:extLst>
               <a:ext uri="{FF2B5EF4-FFF2-40B4-BE49-F238E27FC236}">
-                <a16:creationId xmlns:a16="http://schemas.microsoft.com/office/drawing/2014/main" id="{CCB34F99-9E6D-1F8A-6331-7689521C0FCF}"/>
+                <a16:creationId xmlns:a16="http://schemas.microsoft.com/office/drawing/2014/main" id="{FF7C7D1C-E934-1F4A-C5E6-95511875B37C}"/>
               </a:ext>
             </a:extLst>
           </p:cNvPr>
@@ -1450,7 +1450,7 @@
           <a:bodyPr/>
           <a:lstStyle/>
           <a:p>
-            <a:fld id="{03841666-5973-42B6-B4C2-1DA8877DA441}" type="slidenum">
+            <a:fld id="{0A64D57B-C4D4-4121-9EF3-CF7AA425751A}" type="slidenum">
               <a:rPr lang="zh-CN" altLang="en-US" smtClean="0"/>
               <a:t>‹#›</a:t>
             </a:fld>
@@ -1461,7 +1461,7 @@
     </p:spTree>
     <p:extLst>
       <p:ext uri="{BB962C8B-B14F-4D97-AF65-F5344CB8AC3E}">
-        <p14:creationId xmlns:p14="http://schemas.microsoft.com/office/powerpoint/2010/main" val="1727678224"/>
+        <p14:creationId xmlns:p14="http://schemas.microsoft.com/office/powerpoint/2010/main" val="3490089601"/>
       </p:ext>
     </p:extLst>
   </p:cSld>
@@ -1493,7 +1493,7 @@
           <p:cNvPr id="2" name="标题 1">
             <a:extLst>
               <a:ext uri="{FF2B5EF4-FFF2-40B4-BE49-F238E27FC236}">
-                <a16:creationId xmlns:a16="http://schemas.microsoft.com/office/drawing/2014/main" id="{76B89D80-BD3F-410B-78ED-52E3FA46C9BB}"/>
+                <a16:creationId xmlns:a16="http://schemas.microsoft.com/office/drawing/2014/main" id="{5F1D36BA-78AC-0350-5EF5-52A7D7F3E3EB}"/>
               </a:ext>
             </a:extLst>
           </p:cNvPr>
@@ -1526,7 +1526,7 @@
           <p:cNvPr id="3" name="文本占位符 2">
             <a:extLst>
               <a:ext uri="{FF2B5EF4-FFF2-40B4-BE49-F238E27FC236}">
-                <a16:creationId xmlns:a16="http://schemas.microsoft.com/office/drawing/2014/main" id="{D5A54EB4-AC68-95DC-358B-4D9477030012}"/>
+                <a16:creationId xmlns:a16="http://schemas.microsoft.com/office/drawing/2014/main" id="{295E16E5-07F0-CF6A-9491-A67B41DB929D}"/>
               </a:ext>
             </a:extLst>
           </p:cNvPr>
@@ -1597,7 +1597,7 @@
           <p:cNvPr id="4" name="内容占位符 3">
             <a:extLst>
               <a:ext uri="{FF2B5EF4-FFF2-40B4-BE49-F238E27FC236}">
-                <a16:creationId xmlns:a16="http://schemas.microsoft.com/office/drawing/2014/main" id="{0D7849E6-9623-8F9B-16B5-D98F2967537D}"/>
+                <a16:creationId xmlns:a16="http://schemas.microsoft.com/office/drawing/2014/main" id="{1135C8BE-63A9-92A3-3378-1C4971877705}"/>
               </a:ext>
             </a:extLst>
           </p:cNvPr>
@@ -1659,7 +1659,7 @@
           <p:cNvPr id="5" name="文本占位符 4">
             <a:extLst>
               <a:ext uri="{FF2B5EF4-FFF2-40B4-BE49-F238E27FC236}">
-                <a16:creationId xmlns:a16="http://schemas.microsoft.com/office/drawing/2014/main" id="{73100313-2626-F781-AA6D-921D0221EFF3}"/>
+                <a16:creationId xmlns:a16="http://schemas.microsoft.com/office/drawing/2014/main" id="{7939D9C2-AB34-A03C-6B36-E707200B13DE}"/>
               </a:ext>
             </a:extLst>
           </p:cNvPr>
@@ -1730,7 +1730,7 @@
           <p:cNvPr id="6" name="内容占位符 5">
             <a:extLst>
               <a:ext uri="{FF2B5EF4-FFF2-40B4-BE49-F238E27FC236}">
-                <a16:creationId xmlns:a16="http://schemas.microsoft.com/office/drawing/2014/main" id="{78F22875-3D69-2BA4-DCE6-509AEF763732}"/>
+                <a16:creationId xmlns:a16="http://schemas.microsoft.com/office/drawing/2014/main" id="{7202953B-11FE-05E9-35C3-C84488B07D64}"/>
               </a:ext>
             </a:extLst>
           </p:cNvPr>
@@ -1792,7 +1792,7 @@
           <p:cNvPr id="7" name="日期占位符 6">
             <a:extLst>
               <a:ext uri="{FF2B5EF4-FFF2-40B4-BE49-F238E27FC236}">
-                <a16:creationId xmlns:a16="http://schemas.microsoft.com/office/drawing/2014/main" id="{DB1C62E6-3952-CFB0-B0C1-466BA414D4D6}"/>
+                <a16:creationId xmlns:a16="http://schemas.microsoft.com/office/drawing/2014/main" id="{34BFC623-0C49-5491-3410-639931BE9B4A}"/>
               </a:ext>
             </a:extLst>
           </p:cNvPr>
@@ -1808,7 +1808,7 @@
           <a:bodyPr/>
           <a:lstStyle/>
           <a:p>
-            <a:fld id="{68810AEF-CBFA-4351-8D03-28F1CCB21C97}" type="datetimeFigureOut">
+            <a:fld id="{8E554618-D4B2-4090-A52E-D0B24DBA2F3E}" type="datetimeFigureOut">
               <a:rPr lang="zh-CN" altLang="en-US" smtClean="0"/>
               <a:t>2024/3/10</a:t>
             </a:fld>
@@ -1821,7 +1821,7 @@
           <p:cNvPr id="8" name="页脚占位符 7">
             <a:extLst>
               <a:ext uri="{FF2B5EF4-FFF2-40B4-BE49-F238E27FC236}">
-                <a16:creationId xmlns:a16="http://schemas.microsoft.com/office/drawing/2014/main" id="{0B37E789-C748-9728-3302-BD661252F68E}"/>
+                <a16:creationId xmlns:a16="http://schemas.microsoft.com/office/drawing/2014/main" id="{F46BADEC-75BF-91B5-986B-841A411D901D}"/>
               </a:ext>
             </a:extLst>
           </p:cNvPr>
@@ -1846,7 +1846,7 @@
           <p:cNvPr id="9" name="灯片编号占位符 8">
             <a:extLst>
               <a:ext uri="{FF2B5EF4-FFF2-40B4-BE49-F238E27FC236}">
-                <a16:creationId xmlns:a16="http://schemas.microsoft.com/office/drawing/2014/main" id="{7A7F441D-1D99-8009-751F-3A07D381DBF1}"/>
+                <a16:creationId xmlns:a16="http://schemas.microsoft.com/office/drawing/2014/main" id="{DE6FD24E-1624-D099-1BFD-E15022C42519}"/>
               </a:ext>
             </a:extLst>
           </p:cNvPr>
@@ -1862,7 +1862,7 @@
           <a:bodyPr/>
           <a:lstStyle/>
           <a:p>
-            <a:fld id="{03841666-5973-42B6-B4C2-1DA8877DA441}" type="slidenum">
+            <a:fld id="{0A64D57B-C4D4-4121-9EF3-CF7AA425751A}" type="slidenum">
               <a:rPr lang="zh-CN" altLang="en-US" smtClean="0"/>
               <a:t>‹#›</a:t>
             </a:fld>
@@ -1873,7 +1873,7 @@
     </p:spTree>
     <p:extLst>
       <p:ext uri="{BB962C8B-B14F-4D97-AF65-F5344CB8AC3E}">
-        <p14:creationId xmlns:p14="http://schemas.microsoft.com/office/powerpoint/2010/main" val="3810610832"/>
+        <p14:creationId xmlns:p14="http://schemas.microsoft.com/office/powerpoint/2010/main" val="1990996641"/>
       </p:ext>
     </p:extLst>
   </p:cSld>
@@ -1905,7 +1905,7 @@
           <p:cNvPr id="2" name="标题 1">
             <a:extLst>
               <a:ext uri="{FF2B5EF4-FFF2-40B4-BE49-F238E27FC236}">
-                <a16:creationId xmlns:a16="http://schemas.microsoft.com/office/drawing/2014/main" id="{5724D3B7-F99F-1E27-1A63-1E82B841DED9}"/>
+                <a16:creationId xmlns:a16="http://schemas.microsoft.com/office/drawing/2014/main" id="{9A798632-AE33-27E7-09A5-EE931534534B}"/>
               </a:ext>
             </a:extLst>
           </p:cNvPr>
@@ -1933,7 +1933,7 @@
           <p:cNvPr id="3" name="日期占位符 2">
             <a:extLst>
               <a:ext uri="{FF2B5EF4-FFF2-40B4-BE49-F238E27FC236}">
-                <a16:creationId xmlns:a16="http://schemas.microsoft.com/office/drawing/2014/main" id="{C9DBEE19-0891-9C4B-EDF7-E225431BBF4A}"/>
+                <a16:creationId xmlns:a16="http://schemas.microsoft.com/office/drawing/2014/main" id="{92588107-FAE1-F0CF-BD2D-BD2979B2C039}"/>
               </a:ext>
             </a:extLst>
           </p:cNvPr>
@@ -1949,7 +1949,7 @@
           <a:bodyPr/>
           <a:lstStyle/>
           <a:p>
-            <a:fld id="{68810AEF-CBFA-4351-8D03-28F1CCB21C97}" type="datetimeFigureOut">
+            <a:fld id="{8E554618-D4B2-4090-A52E-D0B24DBA2F3E}" type="datetimeFigureOut">
               <a:rPr lang="zh-CN" altLang="en-US" smtClean="0"/>
               <a:t>2024/3/10</a:t>
             </a:fld>
@@ -1962,7 +1962,7 @@
           <p:cNvPr id="4" name="页脚占位符 3">
             <a:extLst>
               <a:ext uri="{FF2B5EF4-FFF2-40B4-BE49-F238E27FC236}">
-                <a16:creationId xmlns:a16="http://schemas.microsoft.com/office/drawing/2014/main" id="{93B29039-3357-69D6-5C77-1AAA82E3C5A9}"/>
+                <a16:creationId xmlns:a16="http://schemas.microsoft.com/office/drawing/2014/main" id="{8455E7EA-6086-1D48-96B4-505FF0BBF2AD}"/>
               </a:ext>
             </a:extLst>
           </p:cNvPr>
@@ -1987,7 +1987,7 @@
           <p:cNvPr id="5" name="灯片编号占位符 4">
             <a:extLst>
               <a:ext uri="{FF2B5EF4-FFF2-40B4-BE49-F238E27FC236}">
-                <a16:creationId xmlns:a16="http://schemas.microsoft.com/office/drawing/2014/main" id="{FA1564BC-47B0-74F3-7AF6-A61B837599DB}"/>
+                <a16:creationId xmlns:a16="http://schemas.microsoft.com/office/drawing/2014/main" id="{D9E2CC48-50D1-C4FD-4E0E-3CCEF3D42687}"/>
               </a:ext>
             </a:extLst>
           </p:cNvPr>
@@ -2003,7 +2003,7 @@
           <a:bodyPr/>
           <a:lstStyle/>
           <a:p>
-            <a:fld id="{03841666-5973-42B6-B4C2-1DA8877DA441}" type="slidenum">
+            <a:fld id="{0A64D57B-C4D4-4121-9EF3-CF7AA425751A}" type="slidenum">
               <a:rPr lang="zh-CN" altLang="en-US" smtClean="0"/>
               <a:t>‹#›</a:t>
             </a:fld>
@@ -2014,7 +2014,7 @@
     </p:spTree>
     <p:extLst>
       <p:ext uri="{BB962C8B-B14F-4D97-AF65-F5344CB8AC3E}">
-        <p14:creationId xmlns:p14="http://schemas.microsoft.com/office/powerpoint/2010/main" val="1655474173"/>
+        <p14:creationId xmlns:p14="http://schemas.microsoft.com/office/powerpoint/2010/main" val="3833353943"/>
       </p:ext>
     </p:extLst>
   </p:cSld>
@@ -2046,7 +2046,7 @@
           <p:cNvPr id="2" name="日期占位符 1">
             <a:extLst>
               <a:ext uri="{FF2B5EF4-FFF2-40B4-BE49-F238E27FC236}">
-                <a16:creationId xmlns:a16="http://schemas.microsoft.com/office/drawing/2014/main" id="{AC68C1E1-4435-CD54-D3BB-3089BD797BC7}"/>
+                <a16:creationId xmlns:a16="http://schemas.microsoft.com/office/drawing/2014/main" id="{C1893746-EC92-4A8D-7316-D38B1F7E52B4}"/>
               </a:ext>
             </a:extLst>
           </p:cNvPr>
@@ -2062,7 +2062,7 @@
           <a:bodyPr/>
           <a:lstStyle/>
           <a:p>
-            <a:fld id="{68810AEF-CBFA-4351-8D03-28F1CCB21C97}" type="datetimeFigureOut">
+            <a:fld id="{8E554618-D4B2-4090-A52E-D0B24DBA2F3E}" type="datetimeFigureOut">
               <a:rPr lang="zh-CN" altLang="en-US" smtClean="0"/>
               <a:t>2024/3/10</a:t>
             </a:fld>
@@ -2075,7 +2075,7 @@
           <p:cNvPr id="3" name="页脚占位符 2">
             <a:extLst>
               <a:ext uri="{FF2B5EF4-FFF2-40B4-BE49-F238E27FC236}">
-                <a16:creationId xmlns:a16="http://schemas.microsoft.com/office/drawing/2014/main" id="{2437CCA6-3974-27EC-5744-EC9C3D43451A}"/>
+                <a16:creationId xmlns:a16="http://schemas.microsoft.com/office/drawing/2014/main" id="{1C8F6DEE-E6D9-0565-A1B0-D5222BC97D52}"/>
               </a:ext>
             </a:extLst>
           </p:cNvPr>
@@ -2100,7 +2100,7 @@
           <p:cNvPr id="4" name="灯片编号占位符 3">
             <a:extLst>
               <a:ext uri="{FF2B5EF4-FFF2-40B4-BE49-F238E27FC236}">
-                <a16:creationId xmlns:a16="http://schemas.microsoft.com/office/drawing/2014/main" id="{05BDD765-E80B-AE10-B69B-5C74CECE64DF}"/>
+                <a16:creationId xmlns:a16="http://schemas.microsoft.com/office/drawing/2014/main" id="{58FD14D5-23B0-08C7-BEE1-D7112CC9A63C}"/>
               </a:ext>
             </a:extLst>
           </p:cNvPr>
@@ -2116,7 +2116,7 @@
           <a:bodyPr/>
           <a:lstStyle/>
           <a:p>
-            <a:fld id="{03841666-5973-42B6-B4C2-1DA8877DA441}" type="slidenum">
+            <a:fld id="{0A64D57B-C4D4-4121-9EF3-CF7AA425751A}" type="slidenum">
               <a:rPr lang="zh-CN" altLang="en-US" smtClean="0"/>
               <a:t>‹#›</a:t>
             </a:fld>
@@ -2127,7 +2127,7 @@
     </p:spTree>
     <p:extLst>
       <p:ext uri="{BB962C8B-B14F-4D97-AF65-F5344CB8AC3E}">
-        <p14:creationId xmlns:p14="http://schemas.microsoft.com/office/powerpoint/2010/main" val="1231819526"/>
+        <p14:creationId xmlns:p14="http://schemas.microsoft.com/office/powerpoint/2010/main" val="251730695"/>
       </p:ext>
     </p:extLst>
   </p:cSld>
@@ -2159,7 +2159,7 @@
           <p:cNvPr id="2" name="标题 1">
             <a:extLst>
               <a:ext uri="{FF2B5EF4-FFF2-40B4-BE49-F238E27FC236}">
-                <a16:creationId xmlns:a16="http://schemas.microsoft.com/office/drawing/2014/main" id="{F2E9FCEE-B84B-13FB-859F-246D6DE50428}"/>
+                <a16:creationId xmlns:a16="http://schemas.microsoft.com/office/drawing/2014/main" id="{BE251E87-7CC8-FCA3-6743-A30464266919}"/>
               </a:ext>
             </a:extLst>
           </p:cNvPr>
@@ -2196,7 +2196,7 @@
           <p:cNvPr id="3" name="内容占位符 2">
             <a:extLst>
               <a:ext uri="{FF2B5EF4-FFF2-40B4-BE49-F238E27FC236}">
-                <a16:creationId xmlns:a16="http://schemas.microsoft.com/office/drawing/2014/main" id="{ACCAF63B-DE3B-30C5-A692-D8ABB40ED6EC}"/>
+                <a16:creationId xmlns:a16="http://schemas.microsoft.com/office/drawing/2014/main" id="{80FE392C-3091-D225-5952-3CE3C688B088}"/>
               </a:ext>
             </a:extLst>
           </p:cNvPr>
@@ -2286,7 +2286,7 @@
           <p:cNvPr id="4" name="文本占位符 3">
             <a:extLst>
               <a:ext uri="{FF2B5EF4-FFF2-40B4-BE49-F238E27FC236}">
-                <a16:creationId xmlns:a16="http://schemas.microsoft.com/office/drawing/2014/main" id="{B7114BFD-2177-6C2D-7CAE-9D068B0F0D3B}"/>
+                <a16:creationId xmlns:a16="http://schemas.microsoft.com/office/drawing/2014/main" id="{7DC1A47E-B0AE-95D9-5EBE-7C408AD15962}"/>
               </a:ext>
             </a:extLst>
           </p:cNvPr>
@@ -2357,7 +2357,7 @@
           <p:cNvPr id="5" name="日期占位符 4">
             <a:extLst>
               <a:ext uri="{FF2B5EF4-FFF2-40B4-BE49-F238E27FC236}">
-                <a16:creationId xmlns:a16="http://schemas.microsoft.com/office/drawing/2014/main" id="{1131910F-7385-E81C-9516-A3055D541D1B}"/>
+                <a16:creationId xmlns:a16="http://schemas.microsoft.com/office/drawing/2014/main" id="{E592E53C-D718-82E6-372D-53D35E60CD6B}"/>
               </a:ext>
             </a:extLst>
           </p:cNvPr>
@@ -2373,7 +2373,7 @@
           <a:bodyPr/>
           <a:lstStyle/>
           <a:p>
-            <a:fld id="{68810AEF-CBFA-4351-8D03-28F1CCB21C97}" type="datetimeFigureOut">
+            <a:fld id="{8E554618-D4B2-4090-A52E-D0B24DBA2F3E}" type="datetimeFigureOut">
               <a:rPr lang="zh-CN" altLang="en-US" smtClean="0"/>
               <a:t>2024/3/10</a:t>
             </a:fld>
@@ -2386,7 +2386,7 @@
           <p:cNvPr id="6" name="页脚占位符 5">
             <a:extLst>
               <a:ext uri="{FF2B5EF4-FFF2-40B4-BE49-F238E27FC236}">
-                <a16:creationId xmlns:a16="http://schemas.microsoft.com/office/drawing/2014/main" id="{A475D6BF-5F48-FD89-EB14-F16FE76C7995}"/>
+                <a16:creationId xmlns:a16="http://schemas.microsoft.com/office/drawing/2014/main" id="{E95DAC92-9176-729F-0177-A185392A1A6E}"/>
               </a:ext>
             </a:extLst>
           </p:cNvPr>
@@ -2411,7 +2411,7 @@
           <p:cNvPr id="7" name="灯片编号占位符 6">
             <a:extLst>
               <a:ext uri="{FF2B5EF4-FFF2-40B4-BE49-F238E27FC236}">
-                <a16:creationId xmlns:a16="http://schemas.microsoft.com/office/drawing/2014/main" id="{B8B1B35E-3995-656C-F227-5BA0770D98D5}"/>
+                <a16:creationId xmlns:a16="http://schemas.microsoft.com/office/drawing/2014/main" id="{BFC201A5-FADE-EB31-2D3C-748C299AB163}"/>
               </a:ext>
             </a:extLst>
           </p:cNvPr>
@@ -2427,7 +2427,7 @@
           <a:bodyPr/>
           <a:lstStyle/>
           <a:p>
-            <a:fld id="{03841666-5973-42B6-B4C2-1DA8877DA441}" type="slidenum">
+            <a:fld id="{0A64D57B-C4D4-4121-9EF3-CF7AA425751A}" type="slidenum">
               <a:rPr lang="zh-CN" altLang="en-US" smtClean="0"/>
               <a:t>‹#›</a:t>
             </a:fld>
@@ -2438,7 +2438,7 @@
     </p:spTree>
     <p:extLst>
       <p:ext uri="{BB962C8B-B14F-4D97-AF65-F5344CB8AC3E}">
-        <p14:creationId xmlns:p14="http://schemas.microsoft.com/office/powerpoint/2010/main" val="233524434"/>
+        <p14:creationId xmlns:p14="http://schemas.microsoft.com/office/powerpoint/2010/main" val="57562935"/>
       </p:ext>
     </p:extLst>
   </p:cSld>
@@ -2470,7 +2470,7 @@
           <p:cNvPr id="2" name="标题 1">
             <a:extLst>
               <a:ext uri="{FF2B5EF4-FFF2-40B4-BE49-F238E27FC236}">
-                <a16:creationId xmlns:a16="http://schemas.microsoft.com/office/drawing/2014/main" id="{382A0918-E77C-4E4C-058A-285DC4060D65}"/>
+                <a16:creationId xmlns:a16="http://schemas.microsoft.com/office/drawing/2014/main" id="{FF1BEBAC-2195-B124-77B9-62EC538FF615}"/>
               </a:ext>
             </a:extLst>
           </p:cNvPr>
@@ -2507,7 +2507,7 @@
           <p:cNvPr id="3" name="图片占位符 2">
             <a:extLst>
               <a:ext uri="{FF2B5EF4-FFF2-40B4-BE49-F238E27FC236}">
-                <a16:creationId xmlns:a16="http://schemas.microsoft.com/office/drawing/2014/main" id="{5C8A9CBE-CD36-F974-FFDE-5E2D71CEBE1A}"/>
+                <a16:creationId xmlns:a16="http://schemas.microsoft.com/office/drawing/2014/main" id="{5FF9263C-B5C1-9697-6E8C-0A0D204F0BD6}"/>
               </a:ext>
             </a:extLst>
           </p:cNvPr>
@@ -2574,7 +2574,7 @@
           <p:cNvPr id="4" name="文本占位符 3">
             <a:extLst>
               <a:ext uri="{FF2B5EF4-FFF2-40B4-BE49-F238E27FC236}">
-                <a16:creationId xmlns:a16="http://schemas.microsoft.com/office/drawing/2014/main" id="{B3DF64B3-1B53-A2AB-48AC-B60CAB3324C2}"/>
+                <a16:creationId xmlns:a16="http://schemas.microsoft.com/office/drawing/2014/main" id="{6F731EED-9ED9-EE95-2955-17D09394D4D7}"/>
               </a:ext>
             </a:extLst>
           </p:cNvPr>
@@ -2645,7 +2645,7 @@
           <p:cNvPr id="5" name="日期占位符 4">
             <a:extLst>
               <a:ext uri="{FF2B5EF4-FFF2-40B4-BE49-F238E27FC236}">
-                <a16:creationId xmlns:a16="http://schemas.microsoft.com/office/drawing/2014/main" id="{9EAD6669-D492-D4C4-93CC-45A32D057905}"/>
+                <a16:creationId xmlns:a16="http://schemas.microsoft.com/office/drawing/2014/main" id="{8040671A-9BF4-6CA9-9F7A-E09E4942ED2B}"/>
               </a:ext>
             </a:extLst>
           </p:cNvPr>
@@ -2661,7 +2661,7 @@
           <a:bodyPr/>
           <a:lstStyle/>
           <a:p>
-            <a:fld id="{68810AEF-CBFA-4351-8D03-28F1CCB21C97}" type="datetimeFigureOut">
+            <a:fld id="{8E554618-D4B2-4090-A52E-D0B24DBA2F3E}" type="datetimeFigureOut">
               <a:rPr lang="zh-CN" altLang="en-US" smtClean="0"/>
               <a:t>2024/3/10</a:t>
             </a:fld>
@@ -2674,7 +2674,7 @@
           <p:cNvPr id="6" name="页脚占位符 5">
             <a:extLst>
               <a:ext uri="{FF2B5EF4-FFF2-40B4-BE49-F238E27FC236}">
-                <a16:creationId xmlns:a16="http://schemas.microsoft.com/office/drawing/2014/main" id="{EEC87937-FB46-9EAA-897A-3A5117DE1F3B}"/>
+                <a16:creationId xmlns:a16="http://schemas.microsoft.com/office/drawing/2014/main" id="{B9A11AA9-21B7-E0E7-2CD3-D60A90F1FB57}"/>
               </a:ext>
             </a:extLst>
           </p:cNvPr>
@@ -2699,7 +2699,7 @@
           <p:cNvPr id="7" name="灯片编号占位符 6">
             <a:extLst>
               <a:ext uri="{FF2B5EF4-FFF2-40B4-BE49-F238E27FC236}">
-                <a16:creationId xmlns:a16="http://schemas.microsoft.com/office/drawing/2014/main" id="{EE3B0ADA-04E7-8696-9B40-182159980A33}"/>
+                <a16:creationId xmlns:a16="http://schemas.microsoft.com/office/drawing/2014/main" id="{2859669C-8FA3-7ED2-95E0-99C2DB98E936}"/>
               </a:ext>
             </a:extLst>
           </p:cNvPr>
@@ -2715,7 +2715,7 @@
           <a:bodyPr/>
           <a:lstStyle/>
           <a:p>
-            <a:fld id="{03841666-5973-42B6-B4C2-1DA8877DA441}" type="slidenum">
+            <a:fld id="{0A64D57B-C4D4-4121-9EF3-CF7AA425751A}" type="slidenum">
               <a:rPr lang="zh-CN" altLang="en-US" smtClean="0"/>
               <a:t>‹#›</a:t>
             </a:fld>
@@ -2726,7 +2726,7 @@
     </p:spTree>
     <p:extLst>
       <p:ext uri="{BB962C8B-B14F-4D97-AF65-F5344CB8AC3E}">
-        <p14:creationId xmlns:p14="http://schemas.microsoft.com/office/powerpoint/2010/main" val="3978252213"/>
+        <p14:creationId xmlns:p14="http://schemas.microsoft.com/office/powerpoint/2010/main" val="3640228885"/>
       </p:ext>
     </p:extLst>
   </p:cSld>
@@ -2763,7 +2763,7 @@
           <p:cNvPr id="2" name="标题占位符 1">
             <a:extLst>
               <a:ext uri="{FF2B5EF4-FFF2-40B4-BE49-F238E27FC236}">
-                <a16:creationId xmlns:a16="http://schemas.microsoft.com/office/drawing/2014/main" id="{ADE5DCFA-E1BD-2001-D4DA-C0203FEAECB0}"/>
+                <a16:creationId xmlns:a16="http://schemas.microsoft.com/office/drawing/2014/main" id="{6B3199EA-782D-D687-0B6A-F771D0C1B710}"/>
               </a:ext>
             </a:extLst>
           </p:cNvPr>
@@ -2801,7 +2801,7 @@
           <p:cNvPr id="3" name="文本占位符 2">
             <a:extLst>
               <a:ext uri="{FF2B5EF4-FFF2-40B4-BE49-F238E27FC236}">
-                <a16:creationId xmlns:a16="http://schemas.microsoft.com/office/drawing/2014/main" id="{667DB30A-7F2D-6442-476D-ECC6C9BEF912}"/>
+                <a16:creationId xmlns:a16="http://schemas.microsoft.com/office/drawing/2014/main" id="{82E044F6-F1B2-CD78-BD7E-13A9F8E0BC3A}"/>
               </a:ext>
             </a:extLst>
           </p:cNvPr>
@@ -2868,7 +2868,7 @@
           <p:cNvPr id="4" name="日期占位符 3">
             <a:extLst>
               <a:ext uri="{FF2B5EF4-FFF2-40B4-BE49-F238E27FC236}">
-                <a16:creationId xmlns:a16="http://schemas.microsoft.com/office/drawing/2014/main" id="{76488796-F391-9BBA-0C4B-BB2010E6ECF8}"/>
+                <a16:creationId xmlns:a16="http://schemas.microsoft.com/office/drawing/2014/main" id="{9F08A99C-0766-D523-4E8B-C99B485AC0EA}"/>
               </a:ext>
             </a:extLst>
           </p:cNvPr>
@@ -2902,7 +2902,7 @@
             </a:lvl1pPr>
           </a:lstStyle>
           <a:p>
-            <a:fld id="{68810AEF-CBFA-4351-8D03-28F1CCB21C97}" type="datetimeFigureOut">
+            <a:fld id="{8E554618-D4B2-4090-A52E-D0B24DBA2F3E}" type="datetimeFigureOut">
               <a:rPr lang="zh-CN" altLang="en-US" smtClean="0"/>
               <a:t>2024/3/10</a:t>
             </a:fld>
@@ -2915,7 +2915,7 @@
           <p:cNvPr id="5" name="页脚占位符 4">
             <a:extLst>
               <a:ext uri="{FF2B5EF4-FFF2-40B4-BE49-F238E27FC236}">
-                <a16:creationId xmlns:a16="http://schemas.microsoft.com/office/drawing/2014/main" id="{72112348-8A94-22D6-4B7F-CE9E006270A8}"/>
+                <a16:creationId xmlns:a16="http://schemas.microsoft.com/office/drawing/2014/main" id="{84324D81-29C8-C30F-31AA-0189CE164AF7}"/>
               </a:ext>
             </a:extLst>
           </p:cNvPr>
@@ -2958,7 +2958,7 @@
           <p:cNvPr id="6" name="灯片编号占位符 5">
             <a:extLst>
               <a:ext uri="{FF2B5EF4-FFF2-40B4-BE49-F238E27FC236}">
-                <a16:creationId xmlns:a16="http://schemas.microsoft.com/office/drawing/2014/main" id="{6FCA5C65-4BB6-B0AE-49C3-2BDF1531A754}"/>
+                <a16:creationId xmlns:a16="http://schemas.microsoft.com/office/drawing/2014/main" id="{6098F176-B42D-F192-791E-50E9D5C602E5}"/>
               </a:ext>
             </a:extLst>
           </p:cNvPr>
@@ -2992,7 +2992,7 @@
             </a:lvl1pPr>
           </a:lstStyle>
           <a:p>
-            <a:fld id="{03841666-5973-42B6-B4C2-1DA8877DA441}" type="slidenum">
+            <a:fld id="{0A64D57B-C4D4-4121-9EF3-CF7AA425751A}" type="slidenum">
               <a:rPr lang="zh-CN" altLang="en-US" smtClean="0"/>
               <a:t>‹#›</a:t>
             </a:fld>
@@ -3003,7 +3003,7 @@
     </p:spTree>
     <p:extLst>
       <p:ext uri="{BB962C8B-B14F-4D97-AF65-F5344CB8AC3E}">
-        <p14:creationId xmlns:p14="http://schemas.microsoft.com/office/powerpoint/2010/main" val="1897451319"/>
+        <p14:creationId xmlns:p14="http://schemas.microsoft.com/office/powerpoint/2010/main" val="19800771"/>
       </p:ext>
     </p:extLst>
   </p:cSld>
